--- a/Brief Analysis on Coffee_Shop_Sales.pptx
+++ b/Brief Analysis on Coffee_Shop_Sales.pptx
@@ -263,7 +263,7 @@
           <a:p>
             <a:fld id="{5BCAD085-E8A6-8845-BD4E-CB4CCA059FC4}" type="datetimeFigureOut">
               <a:rPr lang="en-US" smtClean="0"/>
-              <a:t>11/1/2024</a:t>
+              <a:t>11/7/2024</a:t>
             </a:fld>
             <a:endParaRPr lang="en-US"/>
           </a:p>
@@ -433,7 +433,7 @@
           <a:p>
             <a:fld id="{5BCAD085-E8A6-8845-BD4E-CB4CCA059FC4}" type="datetimeFigureOut">
               <a:rPr lang="en-US" smtClean="0"/>
-              <a:t>11/1/2024</a:t>
+              <a:t>11/7/2024</a:t>
             </a:fld>
             <a:endParaRPr lang="en-US"/>
           </a:p>
@@ -613,7 +613,7 @@
           <a:p>
             <a:fld id="{5BCAD085-E8A6-8845-BD4E-CB4CCA059FC4}" type="datetimeFigureOut">
               <a:rPr lang="en-US" smtClean="0"/>
-              <a:t>11/1/2024</a:t>
+              <a:t>11/7/2024</a:t>
             </a:fld>
             <a:endParaRPr lang="en-US"/>
           </a:p>
@@ -783,7 +783,7 @@
           <a:p>
             <a:fld id="{5BCAD085-E8A6-8845-BD4E-CB4CCA059FC4}" type="datetimeFigureOut">
               <a:rPr lang="en-US" smtClean="0"/>
-              <a:t>11/1/2024</a:t>
+              <a:t>11/7/2024</a:t>
             </a:fld>
             <a:endParaRPr lang="en-US"/>
           </a:p>
@@ -1027,7 +1027,7 @@
           <a:p>
             <a:fld id="{5BCAD085-E8A6-8845-BD4E-CB4CCA059FC4}" type="datetimeFigureOut">
               <a:rPr lang="en-US" smtClean="0"/>
-              <a:t>11/1/2024</a:t>
+              <a:t>11/7/2024</a:t>
             </a:fld>
             <a:endParaRPr lang="en-US"/>
           </a:p>
@@ -1259,7 +1259,7 @@
           <a:p>
             <a:fld id="{5BCAD085-E8A6-8845-BD4E-CB4CCA059FC4}" type="datetimeFigureOut">
               <a:rPr lang="en-US" smtClean="0"/>
-              <a:t>11/1/2024</a:t>
+              <a:t>11/7/2024</a:t>
             </a:fld>
             <a:endParaRPr lang="en-US"/>
           </a:p>
@@ -1626,7 +1626,7 @@
           <a:p>
             <a:fld id="{5BCAD085-E8A6-8845-BD4E-CB4CCA059FC4}" type="datetimeFigureOut">
               <a:rPr lang="en-US" smtClean="0"/>
-              <a:t>11/1/2024</a:t>
+              <a:t>11/7/2024</a:t>
             </a:fld>
             <a:endParaRPr lang="en-US"/>
           </a:p>
@@ -1744,7 +1744,7 @@
           <a:p>
             <a:fld id="{5BCAD085-E8A6-8845-BD4E-CB4CCA059FC4}" type="datetimeFigureOut">
               <a:rPr lang="en-US" smtClean="0"/>
-              <a:t>11/1/2024</a:t>
+              <a:t>11/7/2024</a:t>
             </a:fld>
             <a:endParaRPr lang="en-US"/>
           </a:p>
@@ -1839,7 +1839,7 @@
           <a:p>
             <a:fld id="{5BCAD085-E8A6-8845-BD4E-CB4CCA059FC4}" type="datetimeFigureOut">
               <a:rPr lang="en-US" smtClean="0"/>
-              <a:t>11/1/2024</a:t>
+              <a:t>11/7/2024</a:t>
             </a:fld>
             <a:endParaRPr lang="en-US"/>
           </a:p>
@@ -2116,7 +2116,7 @@
           <a:p>
             <a:fld id="{5BCAD085-E8A6-8845-BD4E-CB4CCA059FC4}" type="datetimeFigureOut">
               <a:rPr lang="en-US" smtClean="0"/>
-              <a:t>11/1/2024</a:t>
+              <a:t>11/7/2024</a:t>
             </a:fld>
             <a:endParaRPr lang="en-US"/>
           </a:p>
@@ -2373,7 +2373,7 @@
           <a:p>
             <a:fld id="{5BCAD085-E8A6-8845-BD4E-CB4CCA059FC4}" type="datetimeFigureOut">
               <a:rPr lang="en-US" smtClean="0"/>
-              <a:t>11/1/2024</a:t>
+              <a:t>11/7/2024</a:t>
             </a:fld>
             <a:endParaRPr lang="en-US"/>
           </a:p>
@@ -2586,7 +2586,7 @@
           <a:p>
             <a:fld id="{5BCAD085-E8A6-8845-BD4E-CB4CCA059FC4}" type="datetimeFigureOut">
               <a:rPr lang="en-US" smtClean="0"/>
-              <a:t>11/1/2024</a:t>
+              <a:t>11/7/2024</a:t>
             </a:fld>
             <a:endParaRPr lang="en-US"/>
           </a:p>
@@ -3512,14 +3512,6 @@
               <a:rPr dirty="0"/>
               <a:t>Day of the Week</a:t>
             </a:r>
-            <a:endParaRPr lang="en-US" dirty="0"/>
-          </a:p>
-          <a:p>
-            <a:pPr marL="0" indent="0" algn="l">
-              <a:buNone/>
-              <a:defRPr sz="2400"/>
-            </a:pPr>
-            <a:endParaRPr dirty="0"/>
           </a:p>
           <a:p>
             <a:pPr>
@@ -3550,13 +3542,6 @@
               <a:rPr lang="en-US" dirty="0"/>
               <a:t>.</a:t>
             </a:r>
-            <a:endParaRPr dirty="0"/>
-          </a:p>
-          <a:p>
-            <a:pPr algn="l">
-              <a:defRPr sz="2400"/>
-            </a:pPr>
-            <a:endParaRPr dirty="0"/>
           </a:p>
           <a:p>
             <a:pPr>
@@ -3568,14 +3553,6 @@
               <a:rPr dirty="0"/>
               <a:t>Hour of the Day</a:t>
             </a:r>
-            <a:endParaRPr lang="en-US" dirty="0"/>
-          </a:p>
-          <a:p>
-            <a:pPr marL="0" indent="0">
-              <a:buNone/>
-              <a:defRPr sz="2400"/>
-            </a:pPr>
-            <a:endParaRPr dirty="0"/>
           </a:p>
           <a:p>
             <a:pPr>
@@ -3605,6 +3582,36 @@
           </a:p>
         </p:txBody>
       </p:sp>
+      <p:pic>
+        <p:nvPicPr>
+          <p:cNvPr id="7" name="Picture 6" descr="A graph of a number of days and months&#10;&#10;Description automatically generated with medium confidence">
+            <a:extLst>
+              <a:ext uri="{FF2B5EF4-FFF2-40B4-BE49-F238E27FC236}">
+                <a16:creationId xmlns:a16="http://schemas.microsoft.com/office/drawing/2014/main" id="{EC9B7775-59B3-2CBD-5182-FD24969E6386}"/>
+              </a:ext>
+            </a:extLst>
+          </p:cNvPr>
+          <p:cNvPicPr>
+            <a:picLocks noChangeAspect="1"/>
+          </p:cNvPicPr>
+          <p:nvPr/>
+        </p:nvPicPr>
+        <p:blipFill>
+          <a:blip r:embed="rId2"/>
+          <a:stretch>
+            <a:fillRect/>
+          </a:stretch>
+        </p:blipFill>
+        <p:spPr>
+          <a:xfrm>
+            <a:off x="1732935" y="4527755"/>
+            <a:ext cx="5678129" cy="2300746"/>
+          </a:xfrm>
+          <a:prstGeom prst="rect">
+            <a:avLst/>
+          </a:prstGeom>
+        </p:spPr>
+      </p:pic>
     </p:spTree>
   </p:cSld>
   <p:clrMapOvr>
@@ -3720,6 +3727,36 @@
           </a:p>
         </p:txBody>
       </p:sp>
+      <p:pic>
+        <p:nvPicPr>
+          <p:cNvPr id="5" name="Picture 4" descr="A graph with a line going up&#10;&#10;Description automatically generated">
+            <a:extLst>
+              <a:ext uri="{FF2B5EF4-FFF2-40B4-BE49-F238E27FC236}">
+                <a16:creationId xmlns:a16="http://schemas.microsoft.com/office/drawing/2014/main" id="{7FB4EE20-D3CB-09D6-FDB8-87263145AFCA}"/>
+              </a:ext>
+            </a:extLst>
+          </p:cNvPr>
+          <p:cNvPicPr>
+            <a:picLocks noChangeAspect="1"/>
+          </p:cNvPicPr>
+          <p:nvPr/>
+        </p:nvPicPr>
+        <p:blipFill>
+          <a:blip r:embed="rId2"/>
+          <a:stretch>
+            <a:fillRect/>
+          </a:stretch>
+        </p:blipFill>
+        <p:spPr>
+          <a:xfrm>
+            <a:off x="1659193" y="4011562"/>
+            <a:ext cx="5825613" cy="2806260"/>
+          </a:xfrm>
+          <a:prstGeom prst="rect">
+            <a:avLst/>
+          </a:prstGeom>
+        </p:spPr>
+      </p:pic>
     </p:spTree>
   </p:cSld>
   <p:clrMapOvr>
@@ -5035,6 +5072,36 @@
           </a:p>
         </p:txBody>
       </p:sp>
+      <p:pic>
+        <p:nvPicPr>
+          <p:cNvPr id="5" name="Picture 4" descr="A graph of sales&#10;&#10;Description automatically generated">
+            <a:extLst>
+              <a:ext uri="{FF2B5EF4-FFF2-40B4-BE49-F238E27FC236}">
+                <a16:creationId xmlns:a16="http://schemas.microsoft.com/office/drawing/2014/main" id="{06B96499-8A0E-9725-FED0-C3342FAD7DDD}"/>
+              </a:ext>
+            </a:extLst>
+          </p:cNvPr>
+          <p:cNvPicPr>
+            <a:picLocks noChangeAspect="1"/>
+          </p:cNvPicPr>
+          <p:nvPr/>
+        </p:nvPicPr>
+        <p:blipFill>
+          <a:blip r:embed="rId2"/>
+          <a:stretch>
+            <a:fillRect/>
+          </a:stretch>
+        </p:blipFill>
+        <p:spPr>
+          <a:xfrm>
+            <a:off x="1563329" y="4129548"/>
+            <a:ext cx="6017342" cy="2728452"/>
+          </a:xfrm>
+          <a:prstGeom prst="rect">
+            <a:avLst/>
+          </a:prstGeom>
+        </p:spPr>
+      </p:pic>
     </p:spTree>
   </p:cSld>
   <p:clrMapOvr>
@@ -5120,13 +5187,6 @@
             <a:endParaRPr lang="en-US" dirty="0"/>
           </a:p>
           <a:p>
-            <a:pPr marL="0" indent="0" algn="l">
-              <a:buNone/>
-              <a:defRPr sz="2400"/>
-            </a:pPr>
-            <a:endParaRPr dirty="0"/>
-          </a:p>
-          <a:p>
             <a:pPr algn="l">
               <a:defRPr sz="2400"/>
             </a:pPr>
@@ -5162,23 +5222,39 @@
               <a:rPr lang="en-US" dirty="0"/>
               <a:t>Gourmet Brewed Coffee: $70,034.60 </a:t>
             </a:r>
-            <a:endParaRPr dirty="0"/>
-          </a:p>
-          <a:p>
-            <a:pPr algn="l">
-              <a:defRPr sz="2400"/>
-            </a:pPr>
-            <a:r>
-              <a:rPr dirty="0"/>
-              <a:t>Brewed Black Tea: $</a:t>
-            </a:r>
-            <a:r>
-              <a:rPr lang="en-US" dirty="0"/>
-              <a:t>47,932</a:t>
-            </a:r>
-          </a:p>
-        </p:txBody>
-      </p:sp>
+          </a:p>
+        </p:txBody>
+      </p:sp>
+      <p:pic>
+        <p:nvPicPr>
+          <p:cNvPr id="9" name="Picture 8" descr="A graph of sales and prices&#10;&#10;Description automatically generated">
+            <a:extLst>
+              <a:ext uri="{FF2B5EF4-FFF2-40B4-BE49-F238E27FC236}">
+                <a16:creationId xmlns:a16="http://schemas.microsoft.com/office/drawing/2014/main" id="{B4C5B249-D1DA-40D4-D451-FA1035CCE46D}"/>
+              </a:ext>
+            </a:extLst>
+          </p:cNvPr>
+          <p:cNvPicPr>
+            <a:picLocks noChangeAspect="1"/>
+          </p:cNvPicPr>
+          <p:nvPr/>
+        </p:nvPicPr>
+        <p:blipFill>
+          <a:blip r:embed="rId2"/>
+          <a:stretch>
+            <a:fillRect/>
+          </a:stretch>
+        </p:blipFill>
+        <p:spPr>
+          <a:xfrm>
+            <a:off x="1902505" y="4055806"/>
+            <a:ext cx="5338989" cy="2802194"/>
+          </a:xfrm>
+          <a:prstGeom prst="rect">
+            <a:avLst/>
+          </a:prstGeom>
+        </p:spPr>
+      </p:pic>
     </p:spTree>
   </p:cSld>
   <p:clrMapOvr>
@@ -5268,6 +5344,13 @@
               <a:buNone/>
               <a:defRPr sz="2400"/>
             </a:pPr>
+            <a:endParaRPr lang="en-US" dirty="0"/>
+          </a:p>
+          <a:p>
+            <a:pPr marL="0" indent="0" algn="l">
+              <a:buNone/>
+              <a:defRPr sz="2400"/>
+            </a:pPr>
             <a:endParaRPr dirty="0"/>
           </a:p>
           <a:p>
@@ -5343,6 +5426,49 @@
           </a:p>
         </p:txBody>
       </p:sp>
+      <p:pic>
+        <p:nvPicPr>
+          <p:cNvPr id="7" name="Picture 6" descr="A pie chart with different colored circles&#10;&#10;Description automatically generated">
+            <a:extLst>
+              <a:ext uri="{FF2B5EF4-FFF2-40B4-BE49-F238E27FC236}">
+                <a16:creationId xmlns:a16="http://schemas.microsoft.com/office/drawing/2014/main" id="{1508CE69-4109-B37D-F013-3778845A9C71}"/>
+              </a:ext>
+            </a:extLst>
+          </p:cNvPr>
+          <p:cNvPicPr>
+            <a:picLocks noChangeAspect="1"/>
+          </p:cNvPicPr>
+          <p:nvPr/>
+        </p:nvPicPr>
+        <p:blipFill>
+          <a:blip r:embed="rId2"/>
+          <a:stretch>
+            <a:fillRect/>
+          </a:stretch>
+        </p:blipFill>
+        <p:spPr>
+          <a:xfrm>
+            <a:off x="4203291" y="1825625"/>
+            <a:ext cx="4200359" cy="3040528"/>
+          </a:xfrm>
+          <a:prstGeom prst="roundRect">
+            <a:avLst>
+              <a:gd name="adj" fmla="val 8594"/>
+            </a:avLst>
+          </a:prstGeom>
+          <a:solidFill>
+            <a:srgbClr val="FFFFFF">
+              <a:shade val="85000"/>
+            </a:srgbClr>
+          </a:solidFill>
+          <a:ln>
+            <a:noFill/>
+          </a:ln>
+          <a:effectLst>
+            <a:reflection blurRad="12700" stA="38000" endPos="28000" dist="5000" dir="5400000" sy="-100000" algn="bl" rotWithShape="0"/>
+          </a:effectLst>
+        </p:spPr>
+      </p:pic>
     </p:spTree>
   </p:cSld>
   <p:clrMapOvr>
@@ -5486,6 +5612,42 @@
           </a:p>
         </p:txBody>
       </p:sp>
+      <p:pic>
+        <p:nvPicPr>
+          <p:cNvPr id="5" name="Picture 4" descr="A pie chart with different colored circles&#10;&#10;Description automatically generated">
+            <a:extLst>
+              <a:ext uri="{FF2B5EF4-FFF2-40B4-BE49-F238E27FC236}">
+                <a16:creationId xmlns:a16="http://schemas.microsoft.com/office/drawing/2014/main" id="{F00F06B1-0CE6-E372-5CAB-E31FB4570E51}"/>
+              </a:ext>
+            </a:extLst>
+          </p:cNvPr>
+          <p:cNvPicPr>
+            <a:picLocks noChangeAspect="1"/>
+          </p:cNvPicPr>
+          <p:nvPr/>
+        </p:nvPicPr>
+        <p:blipFill>
+          <a:blip r:embed="rId2"/>
+          <a:stretch>
+            <a:fillRect/>
+          </a:stretch>
+        </p:blipFill>
+        <p:spPr>
+          <a:xfrm>
+            <a:off x="4126184" y="2250651"/>
+            <a:ext cx="4340531" cy="3206322"/>
+          </a:xfrm>
+          <a:prstGeom prst="rect">
+            <a:avLst/>
+          </a:prstGeom>
+          <a:ln>
+            <a:noFill/>
+          </a:ln>
+          <a:effectLst>
+            <a:softEdge rad="112500"/>
+          </a:effectLst>
+        </p:spPr>
+      </p:pic>
     </p:spTree>
   </p:cSld>
   <p:clrMapOvr>
